--- a/presi.pptx
+++ b/presi.pptx
@@ -14,9 +14,11 @@
     <p:sldId id="304" r:id="rId11"/>
     <p:sldId id="307" r:id="rId12"/>
     <p:sldId id="305" r:id="rId13"/>
-    <p:sldId id="306" r:id="rId14"/>
-    <p:sldId id="308" r:id="rId15"/>
-    <p:sldId id="309" r:id="rId16"/>
+    <p:sldId id="313" r:id="rId14"/>
+    <p:sldId id="306" r:id="rId15"/>
+    <p:sldId id="308" r:id="rId16"/>
+    <p:sldId id="309" r:id="rId17"/>
+    <p:sldId id="312" r:id="rId18"/>
   </p:sldIdLst>
   <p:sldSz cx="12192000" cy="6858000"/>
   <p:notesSz cx="6858000" cy="9144000"/>
@@ -129,9 +131,11 @@
             <p14:sldId id="304"/>
             <p14:sldId id="307"/>
             <p14:sldId id="305"/>
+            <p14:sldId id="313"/>
             <p14:sldId id="306"/>
             <p14:sldId id="308"/>
             <p14:sldId id="309"/>
+            <p14:sldId id="312"/>
           </p14:sldIdLst>
         </p14:section>
       </p14:sectionLst>
@@ -6130,11 +6134,14 @@
         </p:nvSpPr>
         <p:spPr>
           <a:xfrm>
-            <a:off x="7407810" y="2047838"/>
-            <a:ext cx="2617539" cy="2364562"/>
+            <a:off x="7407811" y="2047838"/>
+            <a:ext cx="2846532" cy="1600431"/>
           </a:xfrm>
           <a:solidFill>
-            <a:srgbClr val="D1CABC"/>
+            <a:schemeClr val="accent6">
+              <a:lumMod val="60000"/>
+              <a:lumOff val="40000"/>
+            </a:schemeClr>
           </a:solidFill>
           <a:effectLst/>
         </p:spPr>
@@ -6151,7 +6158,7 @@
           </a:bodyPr>
           <a:lstStyle/>
           <a:p>
-            <a:pPr>
+            <a:pPr algn="l">
               <a:lnSpc>
                 <a:spcPct val="100000"/>
               </a:lnSpc>
@@ -6163,9 +6170,9 @@
                     <a:lumMod val="50000"/>
                   </a:schemeClr>
                 </a:solidFill>
-                <a:latin typeface="Bahnschrift SemiBold" panose="020B0502040204020203" pitchFamily="34" charset="0"/>
+                <a:latin typeface="Bahnschrift" panose="020B0502040204020203" pitchFamily="34" charset="0"/>
               </a:rPr>
-              <a:t>With a sub focus on the effect the  emergence of coronavirus &amp; protests ARE HAVING in the 2020 Election cycle</a:t>
+              <a:t>With a sub focus on the effect the  emergence of coronavirus &amp; protests are influencing in the 2020 Election</a:t>
             </a:r>
           </a:p>
         </p:txBody>
@@ -6230,6 +6237,66 @@
 </file>
 
 <file path=ppt/slides/slide10.xml><?xml version="1.0" encoding="utf-8"?>
+<p:sld xmlns:a="http://schemas.openxmlformats.org/drawingml/2006/main" xmlns:r="http://schemas.openxmlformats.org/officeDocument/2006/relationships" xmlns:p="http://schemas.openxmlformats.org/presentationml/2006/main">
+  <p:cSld>
+    <p:spTree>
+      <p:nvGrpSpPr>
+        <p:cNvPr id="1" name=""/>
+        <p:cNvGrpSpPr/>
+        <p:nvPr/>
+      </p:nvGrpSpPr>
+      <p:grpSpPr>
+        <a:xfrm>
+          <a:off x="0" y="0"/>
+          <a:ext cx="0" cy="0"/>
+          <a:chOff x="0" y="0"/>
+          <a:chExt cx="0" cy="0"/>
+        </a:xfrm>
+      </p:grpSpPr>
+      <p:pic>
+        <p:nvPicPr>
+          <p:cNvPr id="3" name="Picture 2">
+            <a:extLst>
+              <a:ext uri="{FF2B5EF4-FFF2-40B4-BE49-F238E27FC236}">
+                <a16:creationId xmlns:a16="http://schemas.microsoft.com/office/drawing/2014/main" id="{76977B52-85DE-4337-8E04-EA3A3C085BAD}"/>
+              </a:ext>
+            </a:extLst>
+          </p:cNvPr>
+          <p:cNvPicPr>
+            <a:picLocks noChangeAspect="1"/>
+          </p:cNvPicPr>
+          <p:nvPr/>
+        </p:nvPicPr>
+        <p:blipFill>
+          <a:blip r:embed="rId2"/>
+          <a:stretch>
+            <a:fillRect/>
+          </a:stretch>
+        </p:blipFill>
+        <p:spPr>
+          <a:xfrm>
+            <a:off x="2384284" y="416822"/>
+            <a:ext cx="6025940" cy="6294422"/>
+          </a:xfrm>
+          <a:prstGeom prst="rect">
+            <a:avLst/>
+          </a:prstGeom>
+        </p:spPr>
+      </p:pic>
+    </p:spTree>
+    <p:extLst>
+      <p:ext uri="{BB962C8B-B14F-4D97-AF65-F5344CB8AC3E}">
+        <p14:creationId xmlns:p14="http://schemas.microsoft.com/office/powerpoint/2010/main" val="239838692"/>
+      </p:ext>
+    </p:extLst>
+  </p:cSld>
+  <p:clrMapOvr>
+    <a:masterClrMapping/>
+  </p:clrMapOvr>
+</p:sld>
+</file>
+
+<file path=ppt/slides/slide11.xml><?xml version="1.0" encoding="utf-8"?>
 <p:sld xmlns:a="http://schemas.openxmlformats.org/drawingml/2006/main" xmlns:r="http://schemas.openxmlformats.org/officeDocument/2006/relationships" xmlns:p="http://schemas.openxmlformats.org/presentationml/2006/main">
   <p:cSld>
     <p:spTree>
@@ -6276,36 +6343,6 @@
           </a:prstGeom>
         </p:spPr>
       </p:pic>
-      <p:pic>
-        <p:nvPicPr>
-          <p:cNvPr id="5" name="Picture 4">
-            <a:extLst>
-              <a:ext uri="{FF2B5EF4-FFF2-40B4-BE49-F238E27FC236}">
-                <a16:creationId xmlns:a16="http://schemas.microsoft.com/office/drawing/2014/main" id="{ED8F9E36-3B95-4E66-A191-2515A09EFEC3}"/>
-              </a:ext>
-            </a:extLst>
-          </p:cNvPr>
-          <p:cNvPicPr>
-            <a:picLocks noChangeAspect="1"/>
-          </p:cNvPicPr>
-          <p:nvPr/>
-        </p:nvPicPr>
-        <p:blipFill>
-          <a:blip r:embed="rId3"/>
-          <a:stretch>
-            <a:fillRect/>
-          </a:stretch>
-        </p:blipFill>
-        <p:spPr>
-          <a:xfrm>
-            <a:off x="8985957" y="1253067"/>
-            <a:ext cx="2899826" cy="3524719"/>
-          </a:xfrm>
-          <a:prstGeom prst="rect">
-            <a:avLst/>
-          </a:prstGeom>
-        </p:spPr>
-      </p:pic>
     </p:spTree>
     <p:extLst>
       <p:ext uri="{BB962C8B-B14F-4D97-AF65-F5344CB8AC3E}">
@@ -6319,7 +6356,7 @@
 </p:sld>
 </file>
 
-<file path=ppt/slides/slide11.xml><?xml version="1.0" encoding="utf-8"?>
+<file path=ppt/slides/slide12.xml><?xml version="1.0" encoding="utf-8"?>
 <p:sld xmlns:a="http://schemas.openxmlformats.org/drawingml/2006/main" xmlns:r="http://schemas.openxmlformats.org/officeDocument/2006/relationships" xmlns:p="http://schemas.openxmlformats.org/presentationml/2006/main">
   <p:cSld>
     <p:spTree>
@@ -6379,7 +6416,7 @@
 </p:sld>
 </file>
 
-<file path=ppt/slides/slide12.xml><?xml version="1.0" encoding="utf-8"?>
+<file path=ppt/slides/slide13.xml><?xml version="1.0" encoding="utf-8"?>
 <p:sld xmlns:a="http://schemas.openxmlformats.org/drawingml/2006/main" xmlns:r="http://schemas.openxmlformats.org/officeDocument/2006/relationships" xmlns:p="http://schemas.openxmlformats.org/presentationml/2006/main">
   <p:cSld>
     <p:spTree>
@@ -6439,6 +6476,66 @@
 </p:sld>
 </file>
 
+<file path=ppt/slides/slide14.xml><?xml version="1.0" encoding="utf-8"?>
+<p:sld xmlns:a="http://schemas.openxmlformats.org/drawingml/2006/main" xmlns:r="http://schemas.openxmlformats.org/officeDocument/2006/relationships" xmlns:p="http://schemas.openxmlformats.org/presentationml/2006/main">
+  <p:cSld>
+    <p:spTree>
+      <p:nvGrpSpPr>
+        <p:cNvPr id="1" name=""/>
+        <p:cNvGrpSpPr/>
+        <p:nvPr/>
+      </p:nvGrpSpPr>
+      <p:grpSpPr>
+        <a:xfrm>
+          <a:off x="0" y="0"/>
+          <a:ext cx="0" cy="0"/>
+          <a:chOff x="0" y="0"/>
+          <a:chExt cx="0" cy="0"/>
+        </a:xfrm>
+      </p:grpSpPr>
+      <p:pic>
+        <p:nvPicPr>
+          <p:cNvPr id="3" name="Picture 2">
+            <a:extLst>
+              <a:ext uri="{FF2B5EF4-FFF2-40B4-BE49-F238E27FC236}">
+                <a16:creationId xmlns:a16="http://schemas.microsoft.com/office/drawing/2014/main" id="{F265C277-C5DC-4C96-A642-EE87391AE09F}"/>
+              </a:ext>
+            </a:extLst>
+          </p:cNvPr>
+          <p:cNvPicPr>
+            <a:picLocks noChangeAspect="1"/>
+          </p:cNvPicPr>
+          <p:nvPr/>
+        </p:nvPicPr>
+        <p:blipFill>
+          <a:blip r:embed="rId2"/>
+          <a:stretch>
+            <a:fillRect/>
+          </a:stretch>
+        </p:blipFill>
+        <p:spPr>
+          <a:xfrm>
+            <a:off x="626356" y="2740176"/>
+            <a:ext cx="8121062" cy="2994579"/>
+          </a:xfrm>
+          <a:prstGeom prst="rect">
+            <a:avLst/>
+          </a:prstGeom>
+        </p:spPr>
+      </p:pic>
+    </p:spTree>
+    <p:extLst>
+      <p:ext uri="{BB962C8B-B14F-4D97-AF65-F5344CB8AC3E}">
+        <p14:creationId xmlns:p14="http://schemas.microsoft.com/office/powerpoint/2010/main" val="2392577798"/>
+      </p:ext>
+    </p:extLst>
+  </p:cSld>
+  <p:clrMapOvr>
+    <a:masterClrMapping/>
+  </p:clrMapOvr>
+</p:sld>
+</file>
+
 <file path=ppt/slides/slide2.xml><?xml version="1.0" encoding="utf-8"?>
 <p:sld xmlns:a="http://schemas.openxmlformats.org/drawingml/2006/main" xmlns:r="http://schemas.openxmlformats.org/officeDocument/2006/relationships" xmlns:p="http://schemas.openxmlformats.org/presentationml/2006/main">
   <p:cSld>
@@ -6577,7 +6674,7 @@
         </p:nvSpPr>
         <p:spPr>
           <a:xfrm>
-            <a:off x="374931" y="0"/>
+            <a:off x="374931" y="297328"/>
             <a:ext cx="10025350" cy="1317872"/>
           </a:xfrm>
           <a:noFill/>
@@ -8660,10 +8757,10 @@
       </p:grpSpPr>
       <p:pic>
         <p:nvPicPr>
-          <p:cNvPr id="3" name="Picture 2">
+          <p:cNvPr id="5" name="Picture 4">
             <a:extLst>
               <a:ext uri="{FF2B5EF4-FFF2-40B4-BE49-F238E27FC236}">
-                <a16:creationId xmlns:a16="http://schemas.microsoft.com/office/drawing/2014/main" id="{B5AB8B79-8CA3-4F98-9D86-70FB477340C4}"/>
+                <a16:creationId xmlns:a16="http://schemas.microsoft.com/office/drawing/2014/main" id="{DF8C14C5-E247-4986-9C0F-F889A2BE3BE8}"/>
               </a:ext>
             </a:extLst>
           </p:cNvPr>
@@ -8680,38 +8777,8 @@
         </p:blipFill>
         <p:spPr>
           <a:xfrm>
-            <a:off x="1220063" y="1194319"/>
-            <a:ext cx="3994763" cy="5294834"/>
-          </a:xfrm>
-          <a:prstGeom prst="rect">
-            <a:avLst/>
-          </a:prstGeom>
-        </p:spPr>
-      </p:pic>
-      <p:pic>
-        <p:nvPicPr>
-          <p:cNvPr id="5" name="Picture 4">
-            <a:extLst>
-              <a:ext uri="{FF2B5EF4-FFF2-40B4-BE49-F238E27FC236}">
-                <a16:creationId xmlns:a16="http://schemas.microsoft.com/office/drawing/2014/main" id="{DF8C14C5-E247-4986-9C0F-F889A2BE3BE8}"/>
-              </a:ext>
-            </a:extLst>
-          </p:cNvPr>
-          <p:cNvPicPr>
-            <a:picLocks noChangeAspect="1"/>
-          </p:cNvPicPr>
-          <p:nvPr/>
-        </p:nvPicPr>
-        <p:blipFill>
-          <a:blip r:embed="rId3"/>
-          <a:stretch>
-            <a:fillRect/>
-          </a:stretch>
-        </p:blipFill>
-        <p:spPr>
-          <a:xfrm>
-            <a:off x="5878882" y="2442127"/>
-            <a:ext cx="4476944" cy="3549495"/>
+            <a:off x="1960024" y="799939"/>
+            <a:ext cx="7170231" cy="5684837"/>
           </a:xfrm>
           <a:prstGeom prst="rect">
             <a:avLst/>
@@ -8800,7 +8867,7 @@
         </p:blipFill>
         <p:spPr>
           <a:xfrm>
-            <a:off x="6336707" y="607694"/>
+            <a:off x="6096000" y="674511"/>
             <a:ext cx="4888079" cy="2754489"/>
           </a:xfrm>
           <a:prstGeom prst="rect">
@@ -9085,38 +9152,8 @@
         </p:blipFill>
         <p:spPr>
           <a:xfrm>
-            <a:off x="236538" y="344311"/>
-            <a:ext cx="8003112" cy="4264378"/>
-          </a:xfrm>
-          <a:prstGeom prst="rect">
-            <a:avLst/>
-          </a:prstGeom>
-        </p:spPr>
-      </p:pic>
-      <p:pic>
-        <p:nvPicPr>
-          <p:cNvPr id="8" name="Picture 7">
-            <a:extLst>
-              <a:ext uri="{FF2B5EF4-FFF2-40B4-BE49-F238E27FC236}">
-                <a16:creationId xmlns:a16="http://schemas.microsoft.com/office/drawing/2014/main" id="{92141F9A-FB4D-4B9A-998D-00014C29374E}"/>
-              </a:ext>
-            </a:extLst>
-          </p:cNvPr>
-          <p:cNvPicPr>
-            <a:picLocks noChangeAspect="1"/>
-          </p:cNvPicPr>
-          <p:nvPr/>
-        </p:nvPicPr>
-        <p:blipFill>
-          <a:blip r:embed="rId3"/>
-          <a:stretch>
-            <a:fillRect/>
-          </a:stretch>
-        </p:blipFill>
-        <p:spPr>
-          <a:xfrm>
-            <a:off x="5356401" y="4821595"/>
-            <a:ext cx="5255155" cy="1937798"/>
+            <a:off x="609071" y="491067"/>
+            <a:ext cx="6705452" cy="3572933"/>
           </a:xfrm>
           <a:prstGeom prst="rect">
             <a:avLst/>
